--- a/ppt/贾中昊_后台开发_简历.pptx
+++ b/ppt/贾中昊_后台开发_简历.pptx
@@ -3592,10 +3592,10 @@
         </p:nvGrpSpPr>
         <p:grpSpPr>
           <a:xfrm>
-            <a:off x="3052766" y="3776184"/>
-            <a:ext cx="4538441" cy="1077592"/>
+            <a:off x="3052766" y="3660614"/>
+            <a:ext cx="4538441" cy="1562096"/>
             <a:chOff x="3224861" y="2562998"/>
-            <a:chExt cx="5206613" cy="1236239"/>
+            <a:chExt cx="5206613" cy="1792074"/>
           </a:xfrm>
         </p:grpSpPr>
         <p:sp>
@@ -3695,7 +3695,7 @@
           <p:spPr>
             <a:xfrm>
               <a:off x="3320292" y="2860217"/>
-              <a:ext cx="5074647" cy="939020"/>
+              <a:ext cx="5074647" cy="1494855"/>
             </a:xfrm>
             <a:prstGeom prst="rect">
               <a:avLst/>
@@ -3746,17 +3746,7 @@
                   <a:latin typeface="微软雅黑" panose="020B0503020204020204" pitchFamily="34" charset="-122"/>
                   <a:ea typeface="微软雅黑" panose="020B0503020204020204" pitchFamily="34" charset="-122"/>
                 </a:rPr>
-                <a:t>每周参与组会并进行</a:t>
-              </a:r>
-              <a:r>
-                <a:rPr lang="zh-CN" altLang="x-none" sz="1050" dirty="0">
-                  <a:solidFill>
-                    <a:srgbClr val="555555"/>
-                  </a:solidFill>
-                  <a:latin typeface="微软雅黑" panose="020B0503020204020204" pitchFamily="34" charset="-122"/>
-                  <a:ea typeface="微软雅黑" panose="020B0503020204020204" pitchFamily="34" charset="-122"/>
-                </a:rPr>
-                <a:t>论文分享，制作 </a:t>
+                <a:t>每周参与组会并进行论文分享，制作 </a:t>
               </a:r>
               <a:r>
                 <a:rPr lang="en-US" altLang="zh-CN" sz="1050" dirty="0">
@@ -3803,6 +3793,124 @@
                 </a:rPr>
                 <a:t>掌握了阅读论文的能力并熟悉机器学习与深度学习的基础知识。</a:t>
               </a:r>
+              <a:endParaRPr lang="zh-CN" altLang="en-US" sz="1050" dirty="0">
+                <a:solidFill>
+                  <a:srgbClr val="555555"/>
+                </a:solidFill>
+                <a:latin typeface="微软雅黑" panose="020B0503020204020204" pitchFamily="34" charset="-122"/>
+                <a:ea typeface="微软雅黑" panose="020B0503020204020204" pitchFamily="34" charset="-122"/>
+              </a:endParaRPr>
+            </a:p>
+            <a:p>
+              <a:pPr indent="0">
+                <a:lnSpc>
+                  <a:spcPct val="150000"/>
+                </a:lnSpc>
+                <a:buNone/>
+              </a:pPr>
+              <a:r>
+                <a:rPr lang="zh-CN" altLang="zh-CN" sz="1050" dirty="0">
+                  <a:solidFill>
+                    <a:srgbClr val="555555"/>
+                  </a:solidFill>
+                  <a:latin typeface="微软雅黑" panose="020B0503020204020204" pitchFamily="34" charset="-122"/>
+                  <a:ea typeface="微软雅黑" panose="020B0503020204020204" pitchFamily="34" charset="-122"/>
+                  <a:sym typeface="+mn-ea"/>
+                </a:rPr>
+                <a:t>对</a:t>
+              </a:r>
+              <a:r>
+                <a:rPr lang="en-US" altLang="zh-CN" sz="1050" dirty="0">
+                  <a:solidFill>
+                    <a:srgbClr val="555555"/>
+                  </a:solidFill>
+                  <a:latin typeface="微软雅黑" panose="020B0503020204020204" pitchFamily="34" charset="-122"/>
+                  <a:ea typeface="微软雅黑" panose="020B0503020204020204" pitchFamily="34" charset="-122"/>
+                  <a:sym typeface="+mn-ea"/>
+                </a:rPr>
+                <a:t>“</a:t>
+              </a:r>
+              <a:r>
+                <a:rPr lang="zh-CN" altLang="zh-CN" sz="1050" dirty="0">
+                  <a:solidFill>
+                    <a:srgbClr val="555555"/>
+                  </a:solidFill>
+                  <a:latin typeface="微软雅黑" panose="020B0503020204020204" pitchFamily="34" charset="-122"/>
+                  <a:ea typeface="微软雅黑" panose="020B0503020204020204" pitchFamily="34" charset="-122"/>
+                  <a:sym typeface="+mn-ea"/>
+                </a:rPr>
+                <a:t>时间序列数据的分类、聚类（</a:t>
+              </a:r>
+              <a:r>
+                <a:rPr lang="en-US" altLang="zh-CN" sz="1050" dirty="0">
+                  <a:solidFill>
+                    <a:srgbClr val="555555"/>
+                  </a:solidFill>
+                  <a:latin typeface="微软雅黑" panose="020B0503020204020204" pitchFamily="34" charset="-122"/>
+                  <a:ea typeface="微软雅黑" panose="020B0503020204020204" pitchFamily="34" charset="-122"/>
+                  <a:sym typeface="+mn-ea"/>
+                </a:rPr>
+                <a:t>DTW</a:t>
+              </a:r>
+              <a:r>
+                <a:rPr lang="zh-CN" altLang="en-US" sz="1050" dirty="0">
+                  <a:solidFill>
+                    <a:srgbClr val="555555"/>
+                  </a:solidFill>
+                  <a:latin typeface="微软雅黑" panose="020B0503020204020204" pitchFamily="34" charset="-122"/>
+                  <a:ea typeface="微软雅黑" panose="020B0503020204020204" pitchFamily="34" charset="-122"/>
+                  <a:sym typeface="+mn-ea"/>
+                </a:rPr>
+                <a:t>距离</a:t>
+              </a:r>
+              <a:r>
+                <a:rPr lang="zh-CN" altLang="zh-CN" sz="1050" dirty="0">
+                  <a:solidFill>
+                    <a:srgbClr val="555555"/>
+                  </a:solidFill>
+                  <a:latin typeface="微软雅黑" panose="020B0503020204020204" pitchFamily="34" charset="-122"/>
+                  <a:ea typeface="微软雅黑" panose="020B0503020204020204" pitchFamily="34" charset="-122"/>
+                  <a:sym typeface="+mn-ea"/>
+                </a:rPr>
+                <a:t>）</a:t>
+              </a:r>
+              <a:r>
+                <a:rPr lang="en-US" altLang="zh-CN" sz="1050" dirty="0">
+                  <a:solidFill>
+                    <a:srgbClr val="555555"/>
+                  </a:solidFill>
+                  <a:latin typeface="微软雅黑" panose="020B0503020204020204" pitchFamily="34" charset="-122"/>
+                  <a:ea typeface="微软雅黑" panose="020B0503020204020204" pitchFamily="34" charset="-122"/>
+                  <a:sym typeface="+mn-ea"/>
+                </a:rPr>
+                <a:t>”</a:t>
+              </a:r>
+              <a:r>
+                <a:rPr lang="zh-CN" altLang="zh-CN" sz="1050" dirty="0">
+                  <a:solidFill>
+                    <a:srgbClr val="555555"/>
+                  </a:solidFill>
+                  <a:latin typeface="微软雅黑" panose="020B0503020204020204" pitchFamily="34" charset="-122"/>
+                  <a:ea typeface="微软雅黑" panose="020B0503020204020204" pitchFamily="34" charset="-122"/>
+                  <a:sym typeface="+mn-ea"/>
+                </a:rPr>
+                <a:t>有深入研究。</a:t>
+              </a:r>
+              <a:endParaRPr lang="zh-CN" altLang="zh-CN" sz="1050" dirty="0">
+                <a:solidFill>
+                  <a:srgbClr val="555555"/>
+                </a:solidFill>
+                <a:latin typeface="微软雅黑" panose="020B0503020204020204" pitchFamily="34" charset="-122"/>
+                <a:ea typeface="微软雅黑" panose="020B0503020204020204" pitchFamily="34" charset="-122"/>
+              </a:endParaRPr>
+            </a:p>
+            <a:p>
+              <a:pPr indent="0">
+                <a:lnSpc>
+                  <a:spcPct val="150000"/>
+                </a:lnSpc>
+                <a:buNone/>
+              </a:pPr>
               <a:endParaRPr lang="zh-CN" altLang="en-US" sz="1050" dirty="0">
                 <a:solidFill>
                   <a:srgbClr val="555555"/>
@@ -7149,18 +7257,7 @@
                 <a:ea typeface="微软雅黑" panose="020B0503020204020204" pitchFamily="34" charset="-122"/>
                 <a:sym typeface="+mn-ea"/>
               </a:rPr>
-              <a:t>包括考试、改卷、题库管理</a:t>
-            </a:r>
-            <a:r>
-              <a:rPr lang="zh-CN" altLang="x-none" sz="1050" dirty="0">
-                <a:solidFill>
-                  <a:srgbClr val="555555"/>
-                </a:solidFill>
-                <a:latin typeface="微软雅黑" panose="020B0503020204020204" pitchFamily="34" charset="-122"/>
-                <a:ea typeface="微软雅黑" panose="020B0503020204020204" pitchFamily="34" charset="-122"/>
-                <a:sym typeface="+mn-ea"/>
-              </a:rPr>
-              <a:t>、</a:t>
+              <a:t>包括考试、改卷、题库管理、</a:t>
             </a:r>
             <a:r>
               <a:rPr lang="en-US" altLang="zh-CN" sz="1050" dirty="0">
